--- a/Assigment_1/Hans_Lena.pptx
+++ b/Assigment_1/Hans_Lena.pptx
@@ -3985,7 +3985,7 @@
           <a:p>
             <a:fld id="{EF1077DB-935E-4A0A-947A-D283B9F9F452}" type="datetimeFigureOut">
               <a:rPr lang="en-US" smtClean="0"/>
-              <a:t>2/21/2021</a:t>
+              <a:t>2/22/2021</a:t>
             </a:fld>
             <a:endParaRPr lang="en-US" dirty="0"/>
           </a:p>
@@ -4162,7 +4162,7 @@
           <a:p>
             <a:fld id="{348F815A-5A10-42A8-9FEC-3938D2D9BA48}" type="datetimeFigureOut">
               <a:rPr lang="en-US" noProof="0" smtClean="0"/>
-              <a:t>2/21/2021</a:t>
+              <a:t>2/22/2021</a:t>
             </a:fld>
             <a:endParaRPr lang="en-US" noProof="0" dirty="0"/>
           </a:p>
@@ -35717,7 +35717,12 @@
             <p:ph type="body" sz="quarter" idx="13"/>
           </p:nvPr>
         </p:nvSpPr>
-        <p:spPr/>
+        <p:spPr>
+          <a:xfrm>
+            <a:off x="5106000" y="5747046"/>
+            <a:ext cx="1980000" cy="252000"/>
+          </a:xfrm>
+        </p:spPr>
         <p:txBody>
           <a:bodyPr/>
           <a:lstStyle/>
@@ -35967,7 +35972,7 @@
         </p:nvSpPr>
         <p:spPr>
           <a:xfrm>
-            <a:off x="923881" y="5394077"/>
+            <a:off x="1756620" y="5178616"/>
             <a:ext cx="3572935" cy="568430"/>
           </a:xfrm>
           <a:prstGeom prst="rect">
@@ -36940,186 +36945,17 @@
           </a:bodyPr>
           <a:lstStyle/>
           <a:p>
-            <a:pPr algn="l"/>
             <a:r>
-              <a:rPr lang="pt-BR" sz="1200" dirty="0" err="1">
+              <a:rPr lang="en-US" sz="1200" dirty="0">
                 <a:solidFill>
                   <a:schemeClr val="tx1">
                     <a:lumMod val="75000"/>
                     <a:lumOff val="25000"/>
                   </a:schemeClr>
                 </a:solidFill>
-                <a:latin typeface="+mn-lt"/>
               </a:rPr>
-              <a:t>Change</a:t>
-            </a:r>
-            <a:r>
-              <a:rPr lang="pt-BR" sz="1200" dirty="0">
-                <a:solidFill>
-                  <a:schemeClr val="tx1">
-                    <a:lumMod val="75000"/>
-                    <a:lumOff val="25000"/>
-                  </a:schemeClr>
-                </a:solidFill>
-                <a:latin typeface="+mn-lt"/>
-              </a:rPr>
-              <a:t> </a:t>
-            </a:r>
-            <a:r>
-              <a:rPr lang="pt-BR" sz="1200" dirty="0" err="1">
-                <a:solidFill>
-                  <a:schemeClr val="tx1">
-                    <a:lumMod val="75000"/>
-                    <a:lumOff val="25000"/>
-                  </a:schemeClr>
-                </a:solidFill>
-                <a:latin typeface="+mn-lt"/>
-              </a:rPr>
-              <a:t>the</a:t>
-            </a:r>
-            <a:r>
-              <a:rPr lang="pt-BR" sz="1200" dirty="0">
-                <a:solidFill>
-                  <a:schemeClr val="tx1">
-                    <a:lumMod val="75000"/>
-                    <a:lumOff val="25000"/>
-                  </a:schemeClr>
-                </a:solidFill>
-                <a:latin typeface="+mn-lt"/>
-              </a:rPr>
-              <a:t> </a:t>
-            </a:r>
-            <a:r>
-              <a:rPr lang="pt-BR" sz="1200" dirty="0" err="1">
-                <a:solidFill>
-                  <a:schemeClr val="tx1">
-                    <a:lumMod val="75000"/>
-                    <a:lumOff val="25000"/>
-                  </a:schemeClr>
-                </a:solidFill>
-                <a:latin typeface="+mn-lt"/>
-              </a:rPr>
-              <a:t>way</a:t>
-            </a:r>
-            <a:r>
-              <a:rPr lang="pt-BR" sz="1200" dirty="0">
-                <a:solidFill>
-                  <a:schemeClr val="tx1">
-                    <a:lumMod val="75000"/>
-                    <a:lumOff val="25000"/>
-                  </a:schemeClr>
-                </a:solidFill>
-                <a:latin typeface="+mn-lt"/>
-              </a:rPr>
-              <a:t> </a:t>
-            </a:r>
-            <a:r>
-              <a:rPr lang="pt-BR" sz="1200" dirty="0" err="1">
-                <a:solidFill>
-                  <a:schemeClr val="tx1">
-                    <a:lumMod val="75000"/>
-                    <a:lumOff val="25000"/>
-                  </a:schemeClr>
-                </a:solidFill>
-                <a:latin typeface="+mn-lt"/>
-              </a:rPr>
-              <a:t>to</a:t>
-            </a:r>
-            <a:r>
-              <a:rPr lang="pt-BR" sz="1200" dirty="0">
-                <a:solidFill>
-                  <a:schemeClr val="tx1">
-                    <a:lumMod val="75000"/>
-                    <a:lumOff val="25000"/>
-                  </a:schemeClr>
-                </a:solidFill>
-                <a:latin typeface="+mn-lt"/>
-              </a:rPr>
-              <a:t> </a:t>
-            </a:r>
-            <a:r>
-              <a:rPr lang="pt-BR" sz="1200" dirty="0" err="1">
-                <a:solidFill>
-                  <a:schemeClr val="tx1">
-                    <a:lumMod val="75000"/>
-                    <a:lumOff val="25000"/>
-                  </a:schemeClr>
-                </a:solidFill>
-                <a:latin typeface="+mn-lt"/>
-              </a:rPr>
-              <a:t>put</a:t>
-            </a:r>
-            <a:r>
-              <a:rPr lang="pt-BR" sz="1200" dirty="0">
-                <a:solidFill>
-                  <a:schemeClr val="tx1">
-                    <a:lumMod val="75000"/>
-                    <a:lumOff val="25000"/>
-                  </a:schemeClr>
-                </a:solidFill>
-                <a:latin typeface="+mn-lt"/>
-              </a:rPr>
-              <a:t> </a:t>
-            </a:r>
-            <a:r>
-              <a:rPr lang="pt-BR" sz="1200" b="1" dirty="0">
-                <a:solidFill>
-                  <a:schemeClr val="tx1">
-                    <a:lumMod val="75000"/>
-                    <a:lumOff val="25000"/>
-                  </a:schemeClr>
-                </a:solidFill>
-                <a:latin typeface="+mn-lt"/>
-              </a:rPr>
-              <a:t>$ </a:t>
-            </a:r>
-            <a:r>
-              <a:rPr lang="pt-BR" sz="1200" dirty="0">
-                <a:solidFill>
-                  <a:schemeClr val="tx1">
-                    <a:lumMod val="75000"/>
-                    <a:lumOff val="25000"/>
-                  </a:schemeClr>
-                </a:solidFill>
-                <a:latin typeface="+mn-lt"/>
-              </a:rPr>
-              <a:t>in </a:t>
-            </a:r>
-            <a:r>
-              <a:rPr lang="pt-BR" sz="1200" dirty="0" err="1">
-                <a:solidFill>
-                  <a:schemeClr val="tx1">
-                    <a:lumMod val="75000"/>
-                    <a:lumOff val="25000"/>
-                  </a:schemeClr>
-                </a:solidFill>
-                <a:latin typeface="+mn-lt"/>
-              </a:rPr>
-              <a:t>campains</a:t>
-            </a:r>
-            <a:r>
-              <a:rPr lang="pt-BR" sz="1200" dirty="0">
-                <a:solidFill>
-                  <a:schemeClr val="tx1">
-                    <a:lumMod val="75000"/>
-                    <a:lumOff val="25000"/>
-                  </a:schemeClr>
-                </a:solidFill>
-                <a:latin typeface="+mn-lt"/>
-              </a:rPr>
-              <a:t> x $  </a:t>
-            </a:r>
-            <a:r>
-              <a:rPr lang="pt-BR" sz="1200" dirty="0" err="1">
-                <a:solidFill>
-                  <a:schemeClr val="tx1">
-                    <a:lumMod val="75000"/>
-                    <a:lumOff val="25000"/>
-                  </a:schemeClr>
-                </a:solidFill>
-                <a:latin typeface="+mn-lt"/>
-              </a:rPr>
-              <a:t>discounts</a:t>
+              <a:t>Change the way to put $ in campaigns x $  discounts
+</a:t>
             </a:r>
             <a:endParaRPr lang="en-US" sz="1200" dirty="0">
               <a:solidFill>
@@ -37609,6 +37445,36 @@
           </a:fontRef>
         </p:style>
       </p:cxnSp>
+      <p:pic>
+        <p:nvPicPr>
+          <p:cNvPr id="9" name="Picture 8" descr="Graphical user interface, text&#10;&#10;Description automatically generated with medium confidence">
+            <a:extLst>
+              <a:ext uri="{FF2B5EF4-FFF2-40B4-BE49-F238E27FC236}">
+                <a16:creationId xmlns:a16="http://schemas.microsoft.com/office/drawing/2014/main" id="{7BA4B2CE-4028-4C55-95B9-DD3B3880DF6B}"/>
+              </a:ext>
+            </a:extLst>
+          </p:cNvPr>
+          <p:cNvPicPr>
+            <a:picLocks noChangeAspect="1"/>
+          </p:cNvPicPr>
+          <p:nvPr/>
+        </p:nvPicPr>
+        <p:blipFill>
+          <a:blip r:embed="rId3"/>
+          <a:stretch>
+            <a:fillRect/>
+          </a:stretch>
+        </p:blipFill>
+        <p:spPr>
+          <a:xfrm>
+            <a:off x="9045790" y="5873046"/>
+            <a:ext cx="2236112" cy="882501"/>
+          </a:xfrm>
+          <a:prstGeom prst="rect">
+            <a:avLst/>
+          </a:prstGeom>
+        </p:spPr>
+      </p:pic>
     </p:spTree>
     <p:extLst>
       <p:ext uri="{BB962C8B-B14F-4D97-AF65-F5344CB8AC3E}">
@@ -39405,6 +39271,23 @@
 </file>
 
 <file path=customXml/item1.xml><?xml version="1.0" encoding="utf-8"?>
+<p:properties xmlns:p="http://schemas.microsoft.com/office/2006/metadata/properties" xmlns:xsi="http://www.w3.org/2001/XMLSchema-instance" xmlns:pc="http://schemas.microsoft.com/office/infopath/2007/PartnerControls">
+  <documentManagement>
+    <MediaServiceKeyPoints xmlns="71af3243-3dd4-4a8d-8c0d-dd76da1f02a5" xsi:nil="true"/>
+  </documentManagement>
+</p:properties>
+</file>
+
+<file path=customXml/item2.xml><?xml version="1.0" encoding="utf-8"?>
+<?mso-contentType ?>
+<FormTemplates xmlns="http://schemas.microsoft.com/sharepoint/v3/contenttype/forms">
+  <Display>DocumentLibraryForm</Display>
+  <Edit>DocumentLibraryForm</Edit>
+  <New>DocumentLibraryForm</New>
+</FormTemplates>
+</file>
+
+<file path=customXml/item3.xml><?xml version="1.0" encoding="utf-8"?>
 <ct:contentTypeSchema xmlns:ct="http://schemas.microsoft.com/office/2006/metadata/contentType" xmlns:ma="http://schemas.microsoft.com/office/2006/metadata/properties/metaAttributes" ct:_="" ma:_="" ma:contentTypeName="Document" ma:contentTypeID="0x01010079F111ED35F8CC479449609E8A0923A6" ma:contentTypeVersion="11" ma:contentTypeDescription="Create a new document." ma:contentTypeScope="" ma:versionID="9677210f24a1be23c92c90fd886aa0aa">
   <xsd:schema xmlns:xsd="http://www.w3.org/2001/XMLSchema" xmlns:xs="http://www.w3.org/2001/XMLSchema" xmlns:p="http://schemas.microsoft.com/office/2006/metadata/properties" xmlns:ns2="71af3243-3dd4-4a8d-8c0d-dd76da1f02a5" xmlns:ns3="16c05727-aa75-4e4a-9b5f-8a80a1165891" targetNamespace="http://schemas.microsoft.com/office/2006/metadata/properties" ma:root="true" ma:fieldsID="60e05723c5c1908df1a1a4ebf11d344e" ns2:_="" ns3:_="">
     <xsd:import namespace="71af3243-3dd4-4a8d-8c0d-dd76da1f02a5"/>
@@ -39615,24 +39498,25 @@
 </ct:contentTypeSchema>
 </file>
 
-<file path=customXml/item2.xml><?xml version="1.0" encoding="utf-8"?>
-<?mso-contentType ?>
-<FormTemplates xmlns="http://schemas.microsoft.com/sharepoint/v3/contenttype/forms">
-  <Display>DocumentLibraryForm</Display>
-  <Edit>DocumentLibraryForm</Edit>
-  <New>DocumentLibraryForm</New>
-</FormTemplates>
+<file path=customXml/itemProps1.xml><?xml version="1.0" encoding="utf-8"?>
+<ds:datastoreItem xmlns:ds="http://schemas.openxmlformats.org/officeDocument/2006/customXml" ds:itemID="{ABC5C908-4F22-4D49-B2AD-A48F9AB51175}">
+  <ds:schemaRefs>
+    <ds:schemaRef ds:uri="http://schemas.microsoft.com/office/2006/metadata/properties"/>
+    <ds:schemaRef ds:uri="http://schemas.microsoft.com/office/infopath/2007/PartnerControls"/>
+    <ds:schemaRef ds:uri="71af3243-3dd4-4a8d-8c0d-dd76da1f02a5"/>
+  </ds:schemaRefs>
+</ds:datastoreItem>
 </file>
 
-<file path=customXml/item3.xml><?xml version="1.0" encoding="utf-8"?>
-<p:properties xmlns:p="http://schemas.microsoft.com/office/2006/metadata/properties" xmlns:xsi="http://www.w3.org/2001/XMLSchema-instance" xmlns:pc="http://schemas.microsoft.com/office/infopath/2007/PartnerControls">
-  <documentManagement>
-    <MediaServiceKeyPoints xmlns="71af3243-3dd4-4a8d-8c0d-dd76da1f02a5" xsi:nil="true"/>
-  </documentManagement>
-</p:properties>
+<file path=customXml/itemProps2.xml><?xml version="1.0" encoding="utf-8"?>
+<ds:datastoreItem xmlns:ds="http://schemas.openxmlformats.org/officeDocument/2006/customXml" ds:itemID="{96DB9DAA-588F-4E7A-A8D1-E2EBF048F1AE}">
+  <ds:schemaRefs>
+    <ds:schemaRef ds:uri="http://schemas.microsoft.com/sharepoint/v3/contenttype/forms"/>
+  </ds:schemaRefs>
+</ds:datastoreItem>
 </file>
 
-<file path=customXml/itemProps1.xml><?xml version="1.0" encoding="utf-8"?>
+<file path=customXml/itemProps3.xml><?xml version="1.0" encoding="utf-8"?>
 <ds:datastoreItem xmlns:ds="http://schemas.openxmlformats.org/officeDocument/2006/customXml" ds:itemID="{8332F27D-DD05-4984-A261-62350E39A094}">
   <ds:schemaRefs>
     <ds:schemaRef ds:uri="http://schemas.microsoft.com/office/2006/metadata/contentType"/>
@@ -39649,22 +39533,4 @@
     <ds:schemaRef ds:uri="http://schemas.microsoft.com/internal/obd"/>
   </ds:schemaRefs>
 </ds:datastoreItem>
-</file>
-
-<file path=customXml/itemProps2.xml><?xml version="1.0" encoding="utf-8"?>
-<ds:datastoreItem xmlns:ds="http://schemas.openxmlformats.org/officeDocument/2006/customXml" ds:itemID="{96DB9DAA-588F-4E7A-A8D1-E2EBF048F1AE}">
-  <ds:schemaRefs>
-    <ds:schemaRef ds:uri="http://schemas.microsoft.com/sharepoint/v3/contenttype/forms"/>
-  </ds:schemaRefs>
-</ds:datastoreItem>
-</file>
-
-<file path=customXml/itemProps3.xml><?xml version="1.0" encoding="utf-8"?>
-<ds:datastoreItem xmlns:ds="http://schemas.openxmlformats.org/officeDocument/2006/customXml" ds:itemID="{ABC5C908-4F22-4D49-B2AD-A48F9AB51175}">
-  <ds:schemaRefs>
-    <ds:schemaRef ds:uri="http://schemas.microsoft.com/office/2006/metadata/properties"/>
-    <ds:schemaRef ds:uri="http://schemas.microsoft.com/office/infopath/2007/PartnerControls"/>
-    <ds:schemaRef ds:uri="71af3243-3dd4-4a8d-8c0d-dd76da1f02a5"/>
-  </ds:schemaRefs>
-</ds:datastoreItem>
 </file>